--- a/materiales_clase/presentaciones/MM_1_Intro.pptx
+++ b/materiales_clase/presentaciones/MM_1_Intro.pptx
@@ -2129,7 +2129,7 @@
           <a:p>
             <a:fld id="{F6095D7A-A2CA-49EF-8F3F-13D90FDF1C08}" type="datetimeFigureOut">
               <a:rPr lang="en-US" smtClean="0"/>
-              <a:t>1/23/2017</a:t>
+              <a:t>1/25/2017</a:t>
             </a:fld>
             <a:endParaRPr lang="en-US"/>
           </a:p>
@@ -2297,7 +2297,7 @@
           <a:p>
             <a:fld id="{F6095D7A-A2CA-49EF-8F3F-13D90FDF1C08}" type="datetimeFigureOut">
               <a:rPr lang="en-US" smtClean="0"/>
-              <a:t>1/23/2017</a:t>
+              <a:t>1/25/2017</a:t>
             </a:fld>
             <a:endParaRPr lang="en-US"/>
           </a:p>
@@ -2475,7 +2475,7 @@
           <a:p>
             <a:fld id="{F6095D7A-A2CA-49EF-8F3F-13D90FDF1C08}" type="datetimeFigureOut">
               <a:rPr lang="en-US" smtClean="0"/>
-              <a:t>1/23/2017</a:t>
+              <a:t>1/25/2017</a:t>
             </a:fld>
             <a:endParaRPr lang="en-US"/>
           </a:p>
@@ -2643,7 +2643,7 @@
           <a:p>
             <a:fld id="{F6095D7A-A2CA-49EF-8F3F-13D90FDF1C08}" type="datetimeFigureOut">
               <a:rPr lang="en-US" smtClean="0"/>
-              <a:t>1/23/2017</a:t>
+              <a:t>1/25/2017</a:t>
             </a:fld>
             <a:endParaRPr lang="en-US"/>
           </a:p>
@@ -2888,7 +2888,7 @@
           <a:p>
             <a:fld id="{F6095D7A-A2CA-49EF-8F3F-13D90FDF1C08}" type="datetimeFigureOut">
               <a:rPr lang="en-US" smtClean="0"/>
-              <a:t>1/23/2017</a:t>
+              <a:t>1/25/2017</a:t>
             </a:fld>
             <a:endParaRPr lang="en-US"/>
           </a:p>
@@ -3117,7 +3117,7 @@
           <a:p>
             <a:fld id="{F6095D7A-A2CA-49EF-8F3F-13D90FDF1C08}" type="datetimeFigureOut">
               <a:rPr lang="en-US" smtClean="0"/>
-              <a:t>1/23/2017</a:t>
+              <a:t>1/25/2017</a:t>
             </a:fld>
             <a:endParaRPr lang="en-US"/>
           </a:p>
@@ -3481,7 +3481,7 @@
           <a:p>
             <a:fld id="{F6095D7A-A2CA-49EF-8F3F-13D90FDF1C08}" type="datetimeFigureOut">
               <a:rPr lang="en-US" smtClean="0"/>
-              <a:t>1/23/2017</a:t>
+              <a:t>1/25/2017</a:t>
             </a:fld>
             <a:endParaRPr lang="en-US"/>
           </a:p>
@@ -3598,7 +3598,7 @@
           <a:p>
             <a:fld id="{F6095D7A-A2CA-49EF-8F3F-13D90FDF1C08}" type="datetimeFigureOut">
               <a:rPr lang="en-US" smtClean="0"/>
-              <a:t>1/23/2017</a:t>
+              <a:t>1/25/2017</a:t>
             </a:fld>
             <a:endParaRPr lang="en-US"/>
           </a:p>
@@ -3693,7 +3693,7 @@
           <a:p>
             <a:fld id="{F6095D7A-A2CA-49EF-8F3F-13D90FDF1C08}" type="datetimeFigureOut">
               <a:rPr lang="en-US" smtClean="0"/>
-              <a:t>1/23/2017</a:t>
+              <a:t>1/25/2017</a:t>
             </a:fld>
             <a:endParaRPr lang="en-US"/>
           </a:p>
@@ -3968,7 +3968,7 @@
           <a:p>
             <a:fld id="{F6095D7A-A2CA-49EF-8F3F-13D90FDF1C08}" type="datetimeFigureOut">
               <a:rPr lang="en-US" smtClean="0"/>
-              <a:t>1/23/2017</a:t>
+              <a:t>1/25/2017</a:t>
             </a:fld>
             <a:endParaRPr lang="en-US"/>
           </a:p>
@@ -4220,7 +4220,7 @@
           <a:p>
             <a:fld id="{F6095D7A-A2CA-49EF-8F3F-13D90FDF1C08}" type="datetimeFigureOut">
               <a:rPr lang="en-US" smtClean="0"/>
-              <a:t>1/23/2017</a:t>
+              <a:t>1/25/2017</a:t>
             </a:fld>
             <a:endParaRPr lang="en-US"/>
           </a:p>
@@ -4431,7 +4431,7 @@
           <a:p>
             <a:fld id="{F6095D7A-A2CA-49EF-8F3F-13D90FDF1C08}" type="datetimeFigureOut">
               <a:rPr lang="en-US" smtClean="0"/>
-              <a:t>1/23/2017</a:t>
+              <a:t>1/25/2017</a:t>
             </a:fld>
             <a:endParaRPr lang="en-US"/>
           </a:p>
@@ -6813,7 +6813,7 @@
             </a:pPr>
             <a:r>
               <a:rPr lang="es-MX" dirty="0"/>
-              <a:t>Investigar cómo se miden distancias entre vectores de un mismo tipo de datos (</a:t>
+              <a:t>(Grupales) Investigar cómo se miden distancias entre vectores de un mismo tipo de datos (</a:t>
             </a:r>
             <a:r>
               <a:rPr lang="es-MX" dirty="0" err="1"/>
@@ -6865,8 +6865,12 @@
               <a:buAutoNum type="arabicPeriod" startAt="2"/>
             </a:pPr>
             <a:r>
+              <a:rPr lang="es-MX"/>
+              <a:t>(Grupales) Mostrar </a:t>
+            </a:r>
+            <a:r>
               <a:rPr lang="es-MX" dirty="0"/>
-              <a:t>Mostrar ejemplos en R y crear un </a:t>
+              <a:t>ejemplos en R y crear un </a:t>
             </a:r>
             <a:r>
               <a:rPr lang="es-MX" dirty="0" err="1"/>
